--- a/document/HTML5-网络三维化服务-功能设计-150427.pptx
+++ b/document/HTML5-网络三维化服务-功能设计-150427.pptx
@@ -7934,6 +7934,52 @@
           </a:fontRef>
         </p:style>
       </p:cxnSp>
+      <p:sp>
+        <p:nvSpPr>
+          <p:cNvPr id="54" name="圆角矩形 53"/>
+          <p:cNvSpPr/>
+          <p:nvPr/>
+        </p:nvSpPr>
+        <p:spPr>
+          <a:xfrm>
+            <a:off x="5508104" y="2761306"/>
+            <a:ext cx="1420493" cy="216024"/>
+          </a:xfrm>
+          <a:prstGeom prst="roundRect">
+            <a:avLst/>
+          </a:prstGeom>
+        </p:spPr>
+        <p:style>
+          <a:lnRef idx="1">
+            <a:schemeClr val="accent6"/>
+          </a:lnRef>
+          <a:fillRef idx="2">
+            <a:schemeClr val="accent6"/>
+          </a:fillRef>
+          <a:effectRef idx="1">
+            <a:schemeClr val="accent6"/>
+          </a:effectRef>
+          <a:fontRef idx="minor">
+            <a:schemeClr val="dk1"/>
+          </a:fontRef>
+        </p:style>
+        <p:txBody>
+          <a:bodyPr lIns="0" tIns="0" rIns="0" bIns="0" rtlCol="0" anchor="ctr" anchorCtr="1"/>
+          <a:lstStyle/>
+          <a:p>
+            <a:pPr algn="ctr"/>
+            <a:r>
+              <a:rPr lang="zh-CN" altLang="en-US" sz="1200" smtClean="0"/>
+              <a:t>位图</a:t>
+            </a:r>
+            <a:r>
+              <a:rPr lang="en-US" altLang="zh-CN" sz="1200" smtClean="0"/>
+              <a:t>(Bitmap)</a:t>
+            </a:r>
+            <a:endParaRPr lang="zh-CN" altLang="en-US" sz="1200" dirty="0"/>
+          </a:p>
+        </p:txBody>
+      </p:sp>
     </p:spTree>
     <p:extLst>
       <p:ext uri="{BB962C8B-B14F-4D97-AF65-F5344CB8AC3E}">
